--- a/SPY bot.pptx
+++ b/SPY bot.pptx
@@ -8,6 +8,11 @@
     <p:sldId id="256" r:id="rId2"/>
     <p:sldId id="257" r:id="rId3"/>
     <p:sldId id="258" r:id="rId4"/>
+    <p:sldId id="259" r:id="rId5"/>
+    <p:sldId id="260" r:id="rId6"/>
+    <p:sldId id="261" r:id="rId7"/>
+    <p:sldId id="263" r:id="rId8"/>
+    <p:sldId id="262" r:id="rId9"/>
   </p:sldIdLst>
   <p:sldSz cx="12192000" cy="6858000"/>
   <p:notesSz cx="6858000" cy="9144000"/>
@@ -106,6 +111,11 @@
       </a:defRPr>
     </a:lvl9pPr>
   </p:defaultTextStyle>
+  <p:extLst>
+    <p:ext uri="{EFAFB233-063F-42B5-8137-9DF3F51BA10A}">
+      <p15:sldGuideLst xmlns:p15="http://schemas.microsoft.com/office/powerpoint/2012/main"/>
+    </p:ext>
+  </p:extLst>
 </p:presentation>
 </file>
 
@@ -305,7 +315,7 @@
           <a:p>
             <a:fld id="{96DFF08F-DC6B-4601-B491-B0F83F6DD2DA}" type="datetimeFigureOut">
               <a:rPr lang="en-US" dirty="0"/>
-              <a:t>5/4/2018</a:t>
+              <a:t>5/5/2018</a:t>
             </a:fld>
             <a:endParaRPr lang="en-US" dirty="0"/>
           </a:p>
@@ -521,7 +531,7 @@
           <a:p>
             <a:fld id="{96DFF08F-DC6B-4601-B491-B0F83F6DD2DA}" type="datetimeFigureOut">
               <a:rPr lang="en-US" dirty="0"/>
-              <a:t>5/4/2018</a:t>
+              <a:t>5/5/2018</a:t>
             </a:fld>
             <a:endParaRPr lang="en-US" dirty="0"/>
           </a:p>
@@ -696,7 +706,7 @@
           <a:p>
             <a:fld id="{96DFF08F-DC6B-4601-B491-B0F83F6DD2DA}" type="datetimeFigureOut">
               <a:rPr lang="en-US" dirty="0"/>
-              <a:t>5/4/2018</a:t>
+              <a:t>5/5/2018</a:t>
             </a:fld>
             <a:endParaRPr lang="en-US" dirty="0"/>
           </a:p>
@@ -861,7 +871,7 @@
           <a:p>
             <a:fld id="{96DFF08F-DC6B-4601-B491-B0F83F6DD2DA}" type="datetimeFigureOut">
               <a:rPr lang="en-US" dirty="0"/>
-              <a:t>5/4/2018</a:t>
+              <a:t>5/5/2018</a:t>
             </a:fld>
             <a:endParaRPr lang="en-US" dirty="0"/>
           </a:p>
@@ -1107,7 +1117,7 @@
           <a:p>
             <a:fld id="{96DFF08F-DC6B-4601-B491-B0F83F6DD2DA}" type="datetimeFigureOut">
               <a:rPr lang="en-US" dirty="0"/>
-              <a:t>5/4/2018</a:t>
+              <a:t>5/5/2018</a:t>
             </a:fld>
             <a:endParaRPr lang="en-US" dirty="0"/>
           </a:p>
@@ -1425,7 +1435,7 @@
           <a:p>
             <a:fld id="{96DFF08F-DC6B-4601-B491-B0F83F6DD2DA}" type="datetimeFigureOut">
               <a:rPr lang="en-US" dirty="0"/>
-              <a:t>5/4/2018</a:t>
+              <a:t>5/5/2018</a:t>
             </a:fld>
             <a:endParaRPr lang="en-US" dirty="0"/>
           </a:p>
@@ -1844,7 +1854,7 @@
           <a:p>
             <a:fld id="{96DFF08F-DC6B-4601-B491-B0F83F6DD2DA}" type="datetimeFigureOut">
               <a:rPr lang="en-US" dirty="0"/>
-              <a:t>5/4/2018</a:t>
+              <a:t>5/5/2018</a:t>
             </a:fld>
             <a:endParaRPr lang="en-US" dirty="0"/>
           </a:p>
@@ -1957,7 +1967,7 @@
           <a:p>
             <a:fld id="{96DFF08F-DC6B-4601-B491-B0F83F6DD2DA}" type="datetimeFigureOut">
               <a:rPr lang="en-US" dirty="0"/>
-              <a:t>5/4/2018</a:t>
+              <a:t>5/5/2018</a:t>
             </a:fld>
             <a:endParaRPr lang="en-US" dirty="0"/>
           </a:p>
@@ -2047,7 +2057,7 @@
           <a:p>
             <a:fld id="{96DFF08F-DC6B-4601-B491-B0F83F6DD2DA}" type="datetimeFigureOut">
               <a:rPr lang="en-US" dirty="0"/>
-              <a:t>5/4/2018</a:t>
+              <a:t>5/5/2018</a:t>
             </a:fld>
             <a:endParaRPr lang="en-US" dirty="0"/>
           </a:p>
@@ -2332,7 +2342,7 @@
           <a:p>
             <a:fld id="{96DFF08F-DC6B-4601-B491-B0F83F6DD2DA}" type="datetimeFigureOut">
               <a:rPr lang="en-US" dirty="0"/>
-              <a:t>5/4/2018</a:t>
+              <a:t>5/5/2018</a:t>
             </a:fld>
             <a:endParaRPr lang="en-US" dirty="0"/>
           </a:p>
@@ -2599,7 +2609,7 @@
           <a:p>
             <a:fld id="{96DFF08F-DC6B-4601-B491-B0F83F6DD2DA}" type="datetimeFigureOut">
               <a:rPr lang="en-US" dirty="0"/>
-              <a:t>5/4/2018</a:t>
+              <a:t>5/5/2018</a:t>
             </a:fld>
             <a:endParaRPr lang="en-US" dirty="0"/>
           </a:p>
@@ -2849,7 +2859,7 @@
             <a:fld id="{96DFF08F-DC6B-4601-B491-B0F83F6DD2DA}" type="datetimeFigureOut">
               <a:rPr lang="en-US" dirty="0"/>
               <a:pPr/>
-              <a:t>5/4/2018</a:t>
+              <a:t>5/5/2018</a:t>
             </a:fld>
             <a:endParaRPr lang="en-US" dirty="0"/>
           </a:p>
@@ -3542,6 +3552,12 @@
           <a:p>
             <a:r>
               <a:rPr lang="en-IN" dirty="0"/>
+              <a:t>Android Phone</a:t>
+            </a:r>
+          </a:p>
+          <a:p>
+            <a:r>
+              <a:rPr lang="en-IN" dirty="0"/>
               <a:t>Camera</a:t>
             </a:r>
           </a:p>
@@ -3574,10 +3590,1085 @@
           </a:p>
         </p:txBody>
       </p:sp>
+      <p:pic>
+        <p:nvPicPr>
+          <p:cNvPr id="5" name="Picture 4">
+            <a:extLst>
+              <a:ext uri="{FF2B5EF4-FFF2-40B4-BE49-F238E27FC236}">
+                <a16:creationId xmlns:a16="http://schemas.microsoft.com/office/drawing/2014/main" id="{FC4F7850-B3B4-4DB2-B99A-CB14517C18BF}"/>
+              </a:ext>
+            </a:extLst>
+          </p:cNvPr>
+          <p:cNvPicPr>
+            <a:picLocks noChangeAspect="1"/>
+          </p:cNvPicPr>
+          <p:nvPr/>
+        </p:nvPicPr>
+        <p:blipFill>
+          <a:blip r:embed="rId2"/>
+          <a:stretch>
+            <a:fillRect/>
+          </a:stretch>
+        </p:blipFill>
+        <p:spPr>
+          <a:xfrm>
+            <a:off x="6577614" y="271027"/>
+            <a:ext cx="4949533" cy="2843349"/>
+          </a:xfrm>
+          <a:prstGeom prst="rect">
+            <a:avLst/>
+          </a:prstGeom>
+        </p:spPr>
+      </p:pic>
+      <p:pic>
+        <p:nvPicPr>
+          <p:cNvPr id="13" name="Picture 12">
+            <a:extLst>
+              <a:ext uri="{FF2B5EF4-FFF2-40B4-BE49-F238E27FC236}">
+                <a16:creationId xmlns:a16="http://schemas.microsoft.com/office/drawing/2014/main" id="{6C468D27-6D0D-4F86-98BA-CBF9CD98388D}"/>
+              </a:ext>
+            </a:extLst>
+          </p:cNvPr>
+          <p:cNvPicPr>
+            <a:picLocks noChangeAspect="1"/>
+          </p:cNvPicPr>
+          <p:nvPr/>
+        </p:nvPicPr>
+        <p:blipFill>
+          <a:blip r:embed="rId3"/>
+          <a:stretch>
+            <a:fillRect/>
+          </a:stretch>
+        </p:blipFill>
+        <p:spPr>
+          <a:xfrm>
+            <a:off x="5595775" y="3548113"/>
+            <a:ext cx="2687855" cy="2687855"/>
+          </a:xfrm>
+          <a:prstGeom prst="rect">
+            <a:avLst/>
+          </a:prstGeom>
+        </p:spPr>
+      </p:pic>
+      <p:pic>
+        <p:nvPicPr>
+          <p:cNvPr id="11" name="Picture 10">
+            <a:extLst>
+              <a:ext uri="{FF2B5EF4-FFF2-40B4-BE49-F238E27FC236}">
+                <a16:creationId xmlns:a16="http://schemas.microsoft.com/office/drawing/2014/main" id="{65C44CEE-C54A-4878-B037-17362F6462F7}"/>
+              </a:ext>
+            </a:extLst>
+          </p:cNvPr>
+          <p:cNvPicPr>
+            <a:picLocks noChangeAspect="1"/>
+          </p:cNvPicPr>
+          <p:nvPr/>
+        </p:nvPicPr>
+        <p:blipFill>
+          <a:blip r:embed="rId4"/>
+          <a:stretch>
+            <a:fillRect/>
+          </a:stretch>
+        </p:blipFill>
+        <p:spPr>
+          <a:xfrm>
+            <a:off x="3415532" y="2680640"/>
+            <a:ext cx="2472082" cy="2472082"/>
+          </a:xfrm>
+          <a:prstGeom prst="rect">
+            <a:avLst/>
+          </a:prstGeom>
+        </p:spPr>
+      </p:pic>
+      <p:pic>
+        <p:nvPicPr>
+          <p:cNvPr id="9" name="Picture 8">
+            <a:extLst>
+              <a:ext uri="{FF2B5EF4-FFF2-40B4-BE49-F238E27FC236}">
+                <a16:creationId xmlns:a16="http://schemas.microsoft.com/office/drawing/2014/main" id="{D91FE264-AF5D-4A2D-B739-FB039385F056}"/>
+              </a:ext>
+            </a:extLst>
+          </p:cNvPr>
+          <p:cNvPicPr>
+            <a:picLocks noChangeAspect="1"/>
+          </p:cNvPicPr>
+          <p:nvPr/>
+        </p:nvPicPr>
+        <p:blipFill>
+          <a:blip r:embed="rId5"/>
+          <a:stretch>
+            <a:fillRect/>
+          </a:stretch>
+        </p:blipFill>
+        <p:spPr>
+          <a:xfrm>
+            <a:off x="7540428" y="2565250"/>
+            <a:ext cx="4160890" cy="3022899"/>
+          </a:xfrm>
+          <a:prstGeom prst="rect">
+            <a:avLst/>
+          </a:prstGeom>
+        </p:spPr>
+      </p:pic>
     </p:spTree>
     <p:extLst>
       <p:ext uri="{BB962C8B-B14F-4D97-AF65-F5344CB8AC3E}">
         <p14:creationId xmlns:p14="http://schemas.microsoft.com/office/powerpoint/2010/main" val="903761078"/>
+      </p:ext>
+    </p:extLst>
+  </p:cSld>
+  <p:clrMapOvr>
+    <a:masterClrMapping/>
+  </p:clrMapOvr>
+</p:sld>
+</file>
+
+<file path=ppt/slides/slide4.xml><?xml version="1.0" encoding="utf-8"?>
+<p:sld xmlns:a="http://schemas.openxmlformats.org/drawingml/2006/main" xmlns:r="http://schemas.openxmlformats.org/officeDocument/2006/relationships" xmlns:p="http://schemas.openxmlformats.org/presentationml/2006/main">
+  <p:cSld>
+    <p:spTree>
+      <p:nvGrpSpPr>
+        <p:cNvPr id="1" name=""/>
+        <p:cNvGrpSpPr/>
+        <p:nvPr/>
+      </p:nvGrpSpPr>
+      <p:grpSpPr>
+        <a:xfrm>
+          <a:off x="0" y="0"/>
+          <a:ext cx="0" cy="0"/>
+          <a:chOff x="0" y="0"/>
+          <a:chExt cx="0" cy="0"/>
+        </a:xfrm>
+      </p:grpSpPr>
+      <p:sp>
+        <p:nvSpPr>
+          <p:cNvPr id="2" name="Title 1">
+            <a:extLst>
+              <a:ext uri="{FF2B5EF4-FFF2-40B4-BE49-F238E27FC236}">
+                <a16:creationId xmlns:a16="http://schemas.microsoft.com/office/drawing/2014/main" id="{B7798BB5-DD37-418D-92C3-C3A17473174B}"/>
+              </a:ext>
+            </a:extLst>
+          </p:cNvPr>
+          <p:cNvSpPr>
+            <a:spLocks noGrp="1"/>
+          </p:cNvSpPr>
+          <p:nvPr>
+            <p:ph type="title"/>
+          </p:nvPr>
+        </p:nvSpPr>
+        <p:spPr/>
+        <p:txBody>
+          <a:bodyPr/>
+          <a:lstStyle/>
+          <a:p>
+            <a:r>
+              <a:rPr lang="en-IN" dirty="0"/>
+              <a:t>Circuit Diagram</a:t>
+            </a:r>
+          </a:p>
+        </p:txBody>
+      </p:sp>
+      <p:pic>
+        <p:nvPicPr>
+          <p:cNvPr id="5" name="Picture 4">
+            <a:extLst>
+              <a:ext uri="{FF2B5EF4-FFF2-40B4-BE49-F238E27FC236}">
+                <a16:creationId xmlns:a16="http://schemas.microsoft.com/office/drawing/2014/main" id="{250BBA01-A386-4685-B3E5-087A031F66A8}"/>
+              </a:ext>
+            </a:extLst>
+          </p:cNvPr>
+          <p:cNvPicPr>
+            <a:picLocks noChangeAspect="1"/>
+          </p:cNvPicPr>
+          <p:nvPr/>
+        </p:nvPicPr>
+        <p:blipFill>
+          <a:blip r:embed="rId2"/>
+          <a:stretch>
+            <a:fillRect/>
+          </a:stretch>
+        </p:blipFill>
+        <p:spPr>
+          <a:xfrm>
+            <a:off x="1173480" y="1965960"/>
+            <a:ext cx="7846039" cy="3763518"/>
+          </a:xfrm>
+          <a:prstGeom prst="rect">
+            <a:avLst/>
+          </a:prstGeom>
+        </p:spPr>
+      </p:pic>
+      <p:pic>
+        <p:nvPicPr>
+          <p:cNvPr id="7" name="Picture 6">
+            <a:extLst>
+              <a:ext uri="{FF2B5EF4-FFF2-40B4-BE49-F238E27FC236}">
+                <a16:creationId xmlns:a16="http://schemas.microsoft.com/office/drawing/2014/main" id="{BAE1F24C-3CCE-4130-92E8-C4B829C401C9}"/>
+              </a:ext>
+            </a:extLst>
+          </p:cNvPr>
+          <p:cNvPicPr>
+            <a:picLocks noChangeAspect="1"/>
+          </p:cNvPicPr>
+          <p:nvPr/>
+        </p:nvPicPr>
+        <p:blipFill>
+          <a:blip r:embed="rId3"/>
+          <a:stretch>
+            <a:fillRect/>
+          </a:stretch>
+        </p:blipFill>
+        <p:spPr>
+          <a:xfrm>
+            <a:off x="9538447" y="3847719"/>
+            <a:ext cx="2360238" cy="2360238"/>
+          </a:xfrm>
+          <a:prstGeom prst="rect">
+            <a:avLst/>
+          </a:prstGeom>
+        </p:spPr>
+      </p:pic>
+      <p:pic>
+        <p:nvPicPr>
+          <p:cNvPr id="9" name="Picture 8">
+            <a:extLst>
+              <a:ext uri="{FF2B5EF4-FFF2-40B4-BE49-F238E27FC236}">
+                <a16:creationId xmlns:a16="http://schemas.microsoft.com/office/drawing/2014/main" id="{71CBF900-7AE4-46CD-9307-3FC120487C57}"/>
+              </a:ext>
+            </a:extLst>
+          </p:cNvPr>
+          <p:cNvPicPr>
+            <a:picLocks noChangeAspect="1"/>
+          </p:cNvPicPr>
+          <p:nvPr/>
+        </p:nvPicPr>
+        <p:blipFill>
+          <a:blip r:embed="rId4"/>
+          <a:stretch>
+            <a:fillRect/>
+          </a:stretch>
+        </p:blipFill>
+        <p:spPr>
+          <a:xfrm>
+            <a:off x="10542323" y="2741103"/>
+            <a:ext cx="1356361" cy="1356361"/>
+          </a:xfrm>
+          <a:prstGeom prst="rect">
+            <a:avLst/>
+          </a:prstGeom>
+        </p:spPr>
+      </p:pic>
+      <p:pic>
+        <p:nvPicPr>
+          <p:cNvPr id="10" name="Picture 9">
+            <a:extLst>
+              <a:ext uri="{FF2B5EF4-FFF2-40B4-BE49-F238E27FC236}">
+                <a16:creationId xmlns:a16="http://schemas.microsoft.com/office/drawing/2014/main" id="{EE2BCC02-67D5-49AB-8A1D-F9AADEE06954}"/>
+              </a:ext>
+            </a:extLst>
+          </p:cNvPr>
+          <p:cNvPicPr>
+            <a:picLocks noChangeAspect="1"/>
+          </p:cNvPicPr>
+          <p:nvPr/>
+        </p:nvPicPr>
+        <p:blipFill>
+          <a:blip r:embed="rId4"/>
+          <a:stretch>
+            <a:fillRect/>
+          </a:stretch>
+        </p:blipFill>
+        <p:spPr>
+          <a:xfrm>
+            <a:off x="1173480" y="4600383"/>
+            <a:ext cx="1356361" cy="1356361"/>
+          </a:xfrm>
+          <a:prstGeom prst="rect">
+            <a:avLst/>
+          </a:prstGeom>
+        </p:spPr>
+      </p:pic>
+    </p:spTree>
+    <p:extLst>
+      <p:ext uri="{BB962C8B-B14F-4D97-AF65-F5344CB8AC3E}">
+        <p14:creationId xmlns:p14="http://schemas.microsoft.com/office/powerpoint/2010/main" val="1653591234"/>
+      </p:ext>
+    </p:extLst>
+  </p:cSld>
+  <p:clrMapOvr>
+    <a:masterClrMapping/>
+  </p:clrMapOvr>
+</p:sld>
+</file>
+
+<file path=ppt/slides/slide5.xml><?xml version="1.0" encoding="utf-8"?>
+<p:sld xmlns:a="http://schemas.openxmlformats.org/drawingml/2006/main" xmlns:r="http://schemas.openxmlformats.org/officeDocument/2006/relationships" xmlns:p="http://schemas.openxmlformats.org/presentationml/2006/main">
+  <p:cSld>
+    <p:spTree>
+      <p:nvGrpSpPr>
+        <p:cNvPr id="1" name=""/>
+        <p:cNvGrpSpPr/>
+        <p:nvPr/>
+      </p:nvGrpSpPr>
+      <p:grpSpPr>
+        <a:xfrm>
+          <a:off x="0" y="0"/>
+          <a:ext cx="0" cy="0"/>
+          <a:chOff x="0" y="0"/>
+          <a:chExt cx="0" cy="0"/>
+        </a:xfrm>
+      </p:grpSpPr>
+      <p:sp>
+        <p:nvSpPr>
+          <p:cNvPr id="2" name="Title 1">
+            <a:extLst>
+              <a:ext uri="{FF2B5EF4-FFF2-40B4-BE49-F238E27FC236}">
+                <a16:creationId xmlns:a16="http://schemas.microsoft.com/office/drawing/2014/main" id="{DFCFF84D-0A34-4216-8802-AB39418139BB}"/>
+              </a:ext>
+            </a:extLst>
+          </p:cNvPr>
+          <p:cNvSpPr>
+            <a:spLocks noGrp="1"/>
+          </p:cNvSpPr>
+          <p:nvPr>
+            <p:ph type="title"/>
+          </p:nvPr>
+        </p:nvSpPr>
+        <p:spPr/>
+        <p:txBody>
+          <a:bodyPr/>
+          <a:lstStyle/>
+          <a:p>
+            <a:r>
+              <a:rPr lang="en-IN" dirty="0"/>
+              <a:t>Phone to Raspberry Pi Communication</a:t>
+            </a:r>
+          </a:p>
+        </p:txBody>
+      </p:sp>
+      <p:pic>
+        <p:nvPicPr>
+          <p:cNvPr id="5" name="Picture 4">
+            <a:extLst>
+              <a:ext uri="{FF2B5EF4-FFF2-40B4-BE49-F238E27FC236}">
+                <a16:creationId xmlns:a16="http://schemas.microsoft.com/office/drawing/2014/main" id="{0119EA2D-C990-4625-A5AE-1AEF452AB3AC}"/>
+              </a:ext>
+            </a:extLst>
+          </p:cNvPr>
+          <p:cNvPicPr>
+            <a:picLocks noChangeAspect="1"/>
+          </p:cNvPicPr>
+          <p:nvPr/>
+        </p:nvPicPr>
+        <p:blipFill>
+          <a:blip r:embed="rId2"/>
+          <a:stretch>
+            <a:fillRect/>
+          </a:stretch>
+        </p:blipFill>
+        <p:spPr>
+          <a:xfrm>
+            <a:off x="696259" y="1965960"/>
+            <a:ext cx="2844623" cy="2074582"/>
+          </a:xfrm>
+          <a:prstGeom prst="rect">
+            <a:avLst/>
+          </a:prstGeom>
+        </p:spPr>
+      </p:pic>
+      <p:pic>
+        <p:nvPicPr>
+          <p:cNvPr id="7" name="Picture 6">
+            <a:extLst>
+              <a:ext uri="{FF2B5EF4-FFF2-40B4-BE49-F238E27FC236}">
+                <a16:creationId xmlns:a16="http://schemas.microsoft.com/office/drawing/2014/main" id="{C33B9625-9BA2-4424-8B4A-73EA34569137}"/>
+              </a:ext>
+            </a:extLst>
+          </p:cNvPr>
+          <p:cNvPicPr>
+            <a:picLocks noChangeAspect="1"/>
+          </p:cNvPicPr>
+          <p:nvPr/>
+        </p:nvPicPr>
+        <p:blipFill>
+          <a:blip r:embed="rId3"/>
+          <a:stretch>
+            <a:fillRect/>
+          </a:stretch>
+        </p:blipFill>
+        <p:spPr>
+          <a:xfrm>
+            <a:off x="2631263" y="1689922"/>
+            <a:ext cx="1356360" cy="1356360"/>
+          </a:xfrm>
+          <a:prstGeom prst="rect">
+            <a:avLst/>
+          </a:prstGeom>
+        </p:spPr>
+      </p:pic>
+      <p:pic>
+        <p:nvPicPr>
+          <p:cNvPr id="9" name="Picture 8">
+            <a:extLst>
+              <a:ext uri="{FF2B5EF4-FFF2-40B4-BE49-F238E27FC236}">
+                <a16:creationId xmlns:a16="http://schemas.microsoft.com/office/drawing/2014/main" id="{94CC9812-8E96-4BE6-BC03-3E0692758D8A}"/>
+              </a:ext>
+            </a:extLst>
+          </p:cNvPr>
+          <p:cNvPicPr>
+            <a:picLocks noChangeAspect="1"/>
+          </p:cNvPicPr>
+          <p:nvPr/>
+        </p:nvPicPr>
+        <p:blipFill>
+          <a:blip r:embed="rId4"/>
+          <a:stretch>
+            <a:fillRect/>
+          </a:stretch>
+        </p:blipFill>
+        <p:spPr>
+          <a:xfrm>
+            <a:off x="9867601" y="4150080"/>
+            <a:ext cx="2098320" cy="2098320"/>
+          </a:xfrm>
+          <a:prstGeom prst="rect">
+            <a:avLst/>
+          </a:prstGeom>
+        </p:spPr>
+      </p:pic>
+      <p:pic>
+        <p:nvPicPr>
+          <p:cNvPr id="10" name="Picture 9">
+            <a:extLst>
+              <a:ext uri="{FF2B5EF4-FFF2-40B4-BE49-F238E27FC236}">
+                <a16:creationId xmlns:a16="http://schemas.microsoft.com/office/drawing/2014/main" id="{439BE649-195B-44CA-9E3F-5D7345DD1468}"/>
+              </a:ext>
+            </a:extLst>
+          </p:cNvPr>
+          <p:cNvPicPr>
+            <a:picLocks noChangeAspect="1"/>
+          </p:cNvPicPr>
+          <p:nvPr/>
+        </p:nvPicPr>
+        <p:blipFill>
+          <a:blip r:embed="rId3"/>
+          <a:stretch>
+            <a:fillRect/>
+          </a:stretch>
+        </p:blipFill>
+        <p:spPr>
+          <a:xfrm>
+            <a:off x="9867601" y="3003251"/>
+            <a:ext cx="1356360" cy="1356360"/>
+          </a:xfrm>
+          <a:prstGeom prst="rect">
+            <a:avLst/>
+          </a:prstGeom>
+        </p:spPr>
+      </p:pic>
+      <p:sp>
+        <p:nvSpPr>
+          <p:cNvPr id="11" name="TextBox 10">
+            <a:extLst>
+              <a:ext uri="{FF2B5EF4-FFF2-40B4-BE49-F238E27FC236}">
+                <a16:creationId xmlns:a16="http://schemas.microsoft.com/office/drawing/2014/main" id="{272AD129-06C3-4C6B-81E0-788461A31BC4}"/>
+              </a:ext>
+            </a:extLst>
+          </p:cNvPr>
+          <p:cNvSpPr txBox="1"/>
+          <p:nvPr/>
+        </p:nvSpPr>
+        <p:spPr>
+          <a:xfrm>
+            <a:off x="957942" y="4267200"/>
+            <a:ext cx="4127863" cy="1200329"/>
+          </a:xfrm>
+          <a:prstGeom prst="rect">
+            <a:avLst/>
+          </a:prstGeom>
+          <a:noFill/>
+        </p:spPr>
+        <p:txBody>
+          <a:bodyPr wrap="square" rtlCol="0">
+            <a:spAutoFit/>
+          </a:bodyPr>
+          <a:lstStyle/>
+          <a:p>
+            <a:pPr marL="285750" indent="-285750">
+              <a:buFont typeface="Arial" panose="020B0604020202020204" pitchFamily="34" charset="0"/>
+              <a:buChar char="•"/>
+            </a:pPr>
+            <a:r>
+              <a:rPr lang="en-IN" dirty="0">
+                <a:solidFill>
+                  <a:schemeClr val="accent1"/>
+                </a:solidFill>
+              </a:rPr>
+              <a:t>Flask Server to handle http request</a:t>
+            </a:r>
+          </a:p>
+          <a:p>
+            <a:pPr marL="285750" indent="-285750">
+              <a:buFont typeface="Arial" panose="020B0604020202020204" pitchFamily="34" charset="0"/>
+              <a:buChar char="•"/>
+            </a:pPr>
+            <a:r>
+              <a:rPr lang="en-IN" dirty="0">
+                <a:solidFill>
+                  <a:schemeClr val="accent1"/>
+                </a:solidFill>
+              </a:rPr>
+              <a:t>Web.py broadcast video and receives control commands</a:t>
+            </a:r>
+          </a:p>
+          <a:p>
+            <a:pPr marL="285750" indent="-285750">
+              <a:buFont typeface="Arial" panose="020B0604020202020204" pitchFamily="34" charset="0"/>
+              <a:buChar char="•"/>
+            </a:pPr>
+            <a:r>
+              <a:rPr lang="en-IN" dirty="0">
+                <a:solidFill>
+                  <a:schemeClr val="accent1"/>
+                </a:solidFill>
+              </a:rPr>
+              <a:t>Saves command into SQLite database</a:t>
+            </a:r>
+          </a:p>
+        </p:txBody>
+      </p:sp>
+      <p:sp>
+        <p:nvSpPr>
+          <p:cNvPr id="12" name="TextBox 11">
+            <a:extLst>
+              <a:ext uri="{FF2B5EF4-FFF2-40B4-BE49-F238E27FC236}">
+                <a16:creationId xmlns:a16="http://schemas.microsoft.com/office/drawing/2014/main" id="{7C554B95-3AD4-40FE-8E22-824FDE377811}"/>
+              </a:ext>
+            </a:extLst>
+          </p:cNvPr>
+          <p:cNvSpPr txBox="1"/>
+          <p:nvPr/>
+        </p:nvSpPr>
+        <p:spPr>
+          <a:xfrm>
+            <a:off x="6258746" y="2228042"/>
+            <a:ext cx="4127863" cy="923330"/>
+          </a:xfrm>
+          <a:prstGeom prst="rect">
+            <a:avLst/>
+          </a:prstGeom>
+          <a:noFill/>
+        </p:spPr>
+        <p:txBody>
+          <a:bodyPr wrap="square" rtlCol="0">
+            <a:spAutoFit/>
+          </a:bodyPr>
+          <a:lstStyle/>
+          <a:p>
+            <a:pPr marL="285750" indent="-285750">
+              <a:buFont typeface="Arial" panose="020B0604020202020204" pitchFamily="34" charset="0"/>
+              <a:buChar char="•"/>
+            </a:pPr>
+            <a:r>
+              <a:rPr lang="en-IN" dirty="0">
+                <a:solidFill>
+                  <a:schemeClr val="accent1"/>
+                </a:solidFill>
+              </a:rPr>
+              <a:t>Runs Robotics.apk application</a:t>
+            </a:r>
+          </a:p>
+          <a:p>
+            <a:pPr marL="285750" indent="-285750">
+              <a:buFont typeface="Arial" panose="020B0604020202020204" pitchFamily="34" charset="0"/>
+              <a:buChar char="•"/>
+            </a:pPr>
+            <a:r>
+              <a:rPr lang="en-IN" dirty="0">
+                <a:solidFill>
+                  <a:schemeClr val="accent1"/>
+                </a:solidFill>
+              </a:rPr>
+              <a:t>Makes http request to pi IP address</a:t>
+            </a:r>
+          </a:p>
+          <a:p>
+            <a:pPr marL="285750" indent="-285750">
+              <a:buFont typeface="Arial" panose="020B0604020202020204" pitchFamily="34" charset="0"/>
+              <a:buChar char="•"/>
+            </a:pPr>
+            <a:r>
+              <a:rPr lang="en-IN" dirty="0">
+                <a:solidFill>
+                  <a:schemeClr val="accent1"/>
+                </a:solidFill>
+              </a:rPr>
+              <a:t>Receives and display live video feed</a:t>
+            </a:r>
+          </a:p>
+        </p:txBody>
+      </p:sp>
+    </p:spTree>
+    <p:extLst>
+      <p:ext uri="{BB962C8B-B14F-4D97-AF65-F5344CB8AC3E}">
+        <p14:creationId xmlns:p14="http://schemas.microsoft.com/office/powerpoint/2010/main" val="3851128402"/>
+      </p:ext>
+    </p:extLst>
+  </p:cSld>
+  <p:clrMapOvr>
+    <a:masterClrMapping/>
+  </p:clrMapOvr>
+</p:sld>
+</file>
+
+<file path=ppt/slides/slide6.xml><?xml version="1.0" encoding="utf-8"?>
+<p:sld xmlns:a="http://schemas.openxmlformats.org/drawingml/2006/main" xmlns:r="http://schemas.openxmlformats.org/officeDocument/2006/relationships" xmlns:p="http://schemas.openxmlformats.org/presentationml/2006/main">
+  <p:cSld>
+    <p:spTree>
+      <p:nvGrpSpPr>
+        <p:cNvPr id="1" name=""/>
+        <p:cNvGrpSpPr/>
+        <p:nvPr/>
+      </p:nvGrpSpPr>
+      <p:grpSpPr>
+        <a:xfrm>
+          <a:off x="0" y="0"/>
+          <a:ext cx="0" cy="0"/>
+          <a:chOff x="0" y="0"/>
+          <a:chExt cx="0" cy="0"/>
+        </a:xfrm>
+      </p:grpSpPr>
+      <p:sp>
+        <p:nvSpPr>
+          <p:cNvPr id="2" name="Title 1">
+            <a:extLst>
+              <a:ext uri="{FF2B5EF4-FFF2-40B4-BE49-F238E27FC236}">
+                <a16:creationId xmlns:a16="http://schemas.microsoft.com/office/drawing/2014/main" id="{555A7D23-DC86-45A6-A5E3-9A00CAC311FB}"/>
+              </a:ext>
+            </a:extLst>
+          </p:cNvPr>
+          <p:cNvSpPr>
+            <a:spLocks noGrp="1"/>
+          </p:cNvSpPr>
+          <p:nvPr>
+            <p:ph type="title"/>
+          </p:nvPr>
+        </p:nvSpPr>
+        <p:spPr/>
+        <p:txBody>
+          <a:bodyPr/>
+          <a:lstStyle/>
+          <a:p>
+            <a:r>
+              <a:rPr lang="en-IN" dirty="0"/>
+              <a:t>Raspberry Pi to Arduino Communication</a:t>
+            </a:r>
+          </a:p>
+        </p:txBody>
+      </p:sp>
+      <p:pic>
+        <p:nvPicPr>
+          <p:cNvPr id="4" name="Picture 3">
+            <a:extLst>
+              <a:ext uri="{FF2B5EF4-FFF2-40B4-BE49-F238E27FC236}">
+                <a16:creationId xmlns:a16="http://schemas.microsoft.com/office/drawing/2014/main" id="{0431ECEA-0714-45F2-BBFF-BD74B58D4F8D}"/>
+              </a:ext>
+            </a:extLst>
+          </p:cNvPr>
+          <p:cNvPicPr>
+            <a:picLocks noChangeAspect="1"/>
+          </p:cNvPicPr>
+          <p:nvPr/>
+        </p:nvPicPr>
+        <p:blipFill>
+          <a:blip r:embed="rId2"/>
+          <a:stretch>
+            <a:fillRect/>
+          </a:stretch>
+        </p:blipFill>
+        <p:spPr>
+          <a:xfrm>
+            <a:off x="696259" y="1965960"/>
+            <a:ext cx="2844623" cy="2074582"/>
+          </a:xfrm>
+          <a:prstGeom prst="rect">
+            <a:avLst/>
+          </a:prstGeom>
+        </p:spPr>
+      </p:pic>
+      <p:sp>
+        <p:nvSpPr>
+          <p:cNvPr id="5" name="TextBox 4">
+            <a:extLst>
+              <a:ext uri="{FF2B5EF4-FFF2-40B4-BE49-F238E27FC236}">
+                <a16:creationId xmlns:a16="http://schemas.microsoft.com/office/drawing/2014/main" id="{229F0C97-64CA-4285-9E61-1A51D37C07B5}"/>
+              </a:ext>
+            </a:extLst>
+          </p:cNvPr>
+          <p:cNvSpPr txBox="1"/>
+          <p:nvPr/>
+        </p:nvSpPr>
+        <p:spPr>
+          <a:xfrm>
+            <a:off x="957942" y="4267200"/>
+            <a:ext cx="4328161" cy="1200329"/>
+          </a:xfrm>
+          <a:prstGeom prst="rect">
+            <a:avLst/>
+          </a:prstGeom>
+          <a:noFill/>
+        </p:spPr>
+        <p:txBody>
+          <a:bodyPr wrap="square" rtlCol="0">
+            <a:spAutoFit/>
+          </a:bodyPr>
+          <a:lstStyle/>
+          <a:p>
+            <a:pPr marL="285750" indent="-285750">
+              <a:buFont typeface="Arial" panose="020B0604020202020204" pitchFamily="34" charset="0"/>
+              <a:buChar char="•"/>
+            </a:pPr>
+            <a:r>
+              <a:rPr lang="en-IN" dirty="0">
+                <a:solidFill>
+                  <a:schemeClr val="accent1"/>
+                </a:solidFill>
+              </a:rPr>
+              <a:t>Raspberry Pi is a master device</a:t>
+            </a:r>
+          </a:p>
+          <a:p>
+            <a:pPr marL="285750" indent="-285750">
+              <a:buFont typeface="Arial" panose="020B0604020202020204" pitchFamily="34" charset="0"/>
+              <a:buChar char="•"/>
+            </a:pPr>
+            <a:r>
+              <a:rPr lang="en-IN" dirty="0">
+                <a:solidFill>
+                  <a:schemeClr val="accent1"/>
+                </a:solidFill>
+              </a:rPr>
+              <a:t>Reads commands from SQLite database</a:t>
+            </a:r>
+          </a:p>
+          <a:p>
+            <a:pPr marL="285750" indent="-285750">
+              <a:buFont typeface="Arial" panose="020B0604020202020204" pitchFamily="34" charset="0"/>
+              <a:buChar char="•"/>
+            </a:pPr>
+            <a:r>
+              <a:rPr lang="en-IN" dirty="0">
+                <a:solidFill>
+                  <a:schemeClr val="accent1"/>
+                </a:solidFill>
+              </a:rPr>
+              <a:t>Sends command signals to Arduino using I2C Protocol</a:t>
+            </a:r>
+          </a:p>
+        </p:txBody>
+      </p:sp>
+      <p:pic>
+        <p:nvPicPr>
+          <p:cNvPr id="6" name="Picture 5">
+            <a:extLst>
+              <a:ext uri="{FF2B5EF4-FFF2-40B4-BE49-F238E27FC236}">
+                <a16:creationId xmlns:a16="http://schemas.microsoft.com/office/drawing/2014/main" id="{7BD05D9B-4D8A-49D0-9791-BB3AAA5725BF}"/>
+              </a:ext>
+            </a:extLst>
+          </p:cNvPr>
+          <p:cNvPicPr>
+            <a:picLocks noChangeAspect="1"/>
+          </p:cNvPicPr>
+          <p:nvPr/>
+        </p:nvPicPr>
+        <p:blipFill>
+          <a:blip r:embed="rId3"/>
+          <a:stretch>
+            <a:fillRect/>
+          </a:stretch>
+        </p:blipFill>
+        <p:spPr>
+          <a:xfrm>
+            <a:off x="8638902" y="4057959"/>
+            <a:ext cx="3219169" cy="2338736"/>
+          </a:xfrm>
+          <a:prstGeom prst="rect">
+            <a:avLst/>
+          </a:prstGeom>
+        </p:spPr>
+      </p:pic>
+      <p:sp>
+        <p:nvSpPr>
+          <p:cNvPr id="7" name="Rectangle 6">
+            <a:extLst>
+              <a:ext uri="{FF2B5EF4-FFF2-40B4-BE49-F238E27FC236}">
+                <a16:creationId xmlns:a16="http://schemas.microsoft.com/office/drawing/2014/main" id="{558C4576-2415-4C1B-973B-ADFD04A3C45C}"/>
+              </a:ext>
+            </a:extLst>
+          </p:cNvPr>
+          <p:cNvSpPr/>
+          <p:nvPr/>
+        </p:nvSpPr>
+        <p:spPr>
+          <a:xfrm>
+            <a:off x="5574852" y="3429000"/>
+            <a:ext cx="1011815" cy="923330"/>
+          </a:xfrm>
+          <a:prstGeom prst="rect">
+            <a:avLst/>
+          </a:prstGeom>
+          <a:noFill/>
+        </p:spPr>
+        <p:txBody>
+          <a:bodyPr wrap="none" lIns="91440" tIns="45720" rIns="91440" bIns="45720">
+            <a:spAutoFit/>
+          </a:bodyPr>
+          <a:lstStyle/>
+          <a:p>
+            <a:pPr algn="ctr"/>
+            <a:r>
+              <a:rPr lang="en-US" sz="5400" b="0" cap="none" spc="0" dirty="0">
+                <a:ln w="0"/>
+                <a:solidFill>
+                  <a:schemeClr val="accent1"/>
+                </a:solidFill>
+                <a:effectLst>
+                  <a:outerShdw blurRad="38100" dist="25400" dir="5400000" algn="ctr" rotWithShape="0">
+                    <a:srgbClr val="6E747A">
+                      <a:alpha val="43000"/>
+                    </a:srgbClr>
+                  </a:outerShdw>
+                </a:effectLst>
+              </a:rPr>
+              <a:t>I2c</a:t>
+            </a:r>
+          </a:p>
+        </p:txBody>
+      </p:sp>
+      <p:sp>
+        <p:nvSpPr>
+          <p:cNvPr id="8" name="TextBox 7">
+            <a:extLst>
+              <a:ext uri="{FF2B5EF4-FFF2-40B4-BE49-F238E27FC236}">
+                <a16:creationId xmlns:a16="http://schemas.microsoft.com/office/drawing/2014/main" id="{F1556437-FCAD-4ECA-94DA-4E86336FE61A}"/>
+              </a:ext>
+            </a:extLst>
+          </p:cNvPr>
+          <p:cNvSpPr txBox="1"/>
+          <p:nvPr/>
+        </p:nvSpPr>
+        <p:spPr>
+          <a:xfrm>
+            <a:off x="6474821" y="2199876"/>
+            <a:ext cx="4328161" cy="1200329"/>
+          </a:xfrm>
+          <a:prstGeom prst="rect">
+            <a:avLst/>
+          </a:prstGeom>
+          <a:noFill/>
+        </p:spPr>
+        <p:txBody>
+          <a:bodyPr wrap="square" rtlCol="0">
+            <a:spAutoFit/>
+          </a:bodyPr>
+          <a:lstStyle/>
+          <a:p>
+            <a:pPr marL="285750" indent="-285750">
+              <a:buFont typeface="Arial" panose="020B0604020202020204" pitchFamily="34" charset="0"/>
+              <a:buChar char="•"/>
+            </a:pPr>
+            <a:r>
+              <a:rPr lang="en-IN" dirty="0">
+                <a:solidFill>
+                  <a:schemeClr val="accent1"/>
+                </a:solidFill>
+              </a:rPr>
+              <a:t>Arduino is a slave device</a:t>
+            </a:r>
+          </a:p>
+          <a:p>
+            <a:pPr marL="285750" indent="-285750">
+              <a:buFont typeface="Arial" panose="020B0604020202020204" pitchFamily="34" charset="0"/>
+              <a:buChar char="•"/>
+            </a:pPr>
+            <a:r>
+              <a:rPr lang="en-IN" dirty="0">
+                <a:solidFill>
+                  <a:schemeClr val="accent1"/>
+                </a:solidFill>
+              </a:rPr>
+              <a:t>Receives commands from Raspberry Pi using I2C protocol</a:t>
+            </a:r>
+          </a:p>
+          <a:p>
+            <a:pPr marL="285750" indent="-285750">
+              <a:buFont typeface="Arial" panose="020B0604020202020204" pitchFamily="34" charset="0"/>
+              <a:buChar char="•"/>
+            </a:pPr>
+            <a:r>
+              <a:rPr lang="en-IN" dirty="0">
+                <a:solidFill>
+                  <a:schemeClr val="accent1"/>
+                </a:solidFill>
+              </a:rPr>
+              <a:t>Sends command signals to the motors</a:t>
+            </a:r>
+          </a:p>
+        </p:txBody>
+      </p:sp>
+    </p:spTree>
+    <p:extLst>
+      <p:ext uri="{BB962C8B-B14F-4D97-AF65-F5344CB8AC3E}">
+        <p14:creationId xmlns:p14="http://schemas.microsoft.com/office/powerpoint/2010/main" val="697604075"/>
+      </p:ext>
+    </p:extLst>
+  </p:cSld>
+  <p:clrMapOvr>
+    <a:masterClrMapping/>
+  </p:clrMapOvr>
+</p:sld>
+</file>
+
+<file path=ppt/slides/slide7.xml><?xml version="1.0" encoding="utf-8"?>
+<p:sld xmlns:a="http://schemas.openxmlformats.org/drawingml/2006/main" xmlns:r="http://schemas.openxmlformats.org/officeDocument/2006/relationships" xmlns:p="http://schemas.openxmlformats.org/presentationml/2006/main">
+  <p:cSld>
+    <p:spTree>
+      <p:nvGrpSpPr>
+        <p:cNvPr id="1" name=""/>
+        <p:cNvGrpSpPr/>
+        <p:nvPr/>
+      </p:nvGrpSpPr>
+      <p:grpSpPr>
+        <a:xfrm>
+          <a:off x="0" y="0"/>
+          <a:ext cx="0" cy="0"/>
+          <a:chOff x="0" y="0"/>
+          <a:chExt cx="0" cy="0"/>
+        </a:xfrm>
+      </p:grpSpPr>
+      <p:sp>
+        <p:nvSpPr>
+          <p:cNvPr id="2" name="Title 1">
+            <a:extLst>
+              <a:ext uri="{FF2B5EF4-FFF2-40B4-BE49-F238E27FC236}">
+                <a16:creationId xmlns:a16="http://schemas.microsoft.com/office/drawing/2014/main" id="{35C9853A-5FF3-43F5-8ECF-2DFDCBE9636F}"/>
+              </a:ext>
+            </a:extLst>
+          </p:cNvPr>
+          <p:cNvSpPr>
+            <a:spLocks noGrp="1"/>
+          </p:cNvSpPr>
+          <p:nvPr>
+            <p:ph type="title"/>
+          </p:nvPr>
+        </p:nvSpPr>
+        <p:spPr/>
+        <p:txBody>
+          <a:bodyPr/>
+          <a:lstStyle/>
+          <a:p>
+            <a:r>
+              <a:rPr lang="en-IN" dirty="0"/>
+              <a:t>For Source Code and Android application</a:t>
+            </a:r>
+          </a:p>
+        </p:txBody>
+      </p:sp>
+      <p:sp>
+        <p:nvSpPr>
+          <p:cNvPr id="3" name="Content Placeholder 2">
+            <a:extLst>
+              <a:ext uri="{FF2B5EF4-FFF2-40B4-BE49-F238E27FC236}">
+                <a16:creationId xmlns:a16="http://schemas.microsoft.com/office/drawing/2014/main" id="{7E6F3760-51DC-4703-A483-213C09238257}"/>
+              </a:ext>
+            </a:extLst>
+          </p:cNvPr>
+          <p:cNvSpPr>
+            <a:spLocks noGrp="1"/>
+          </p:cNvSpPr>
+          <p:nvPr>
+            <p:ph idx="1"/>
+          </p:nvPr>
+        </p:nvSpPr>
+        <p:spPr/>
+        <p:txBody>
+          <a:bodyPr/>
+          <a:lstStyle/>
+          <a:p>
+            <a:r>
+              <a:rPr lang="en-IN" dirty="0"/>
+              <a:t>Visit: https://github.com/pranjulsingh/Wireless-Car-with-Camera</a:t>
+            </a:r>
+          </a:p>
+        </p:txBody>
+      </p:sp>
+    </p:spTree>
+    <p:extLst>
+      <p:ext uri="{BB962C8B-B14F-4D97-AF65-F5344CB8AC3E}">
+        <p14:creationId xmlns:p14="http://schemas.microsoft.com/office/powerpoint/2010/main" val="2062222782"/>
+      </p:ext>
+    </p:extLst>
+  </p:cSld>
+  <p:clrMapOvr>
+    <a:masterClrMapping/>
+  </p:clrMapOvr>
+</p:sld>
+</file>
+
+<file path=ppt/slides/slide8.xml><?xml version="1.0" encoding="utf-8"?>
+<p:sld xmlns:a="http://schemas.openxmlformats.org/drawingml/2006/main" xmlns:r="http://schemas.openxmlformats.org/officeDocument/2006/relationships" xmlns:p="http://schemas.openxmlformats.org/presentationml/2006/main">
+  <p:cSld>
+    <p:spTree>
+      <p:nvGrpSpPr>
+        <p:cNvPr id="1" name=""/>
+        <p:cNvGrpSpPr/>
+        <p:nvPr/>
+      </p:nvGrpSpPr>
+      <p:grpSpPr>
+        <a:xfrm>
+          <a:off x="0" y="0"/>
+          <a:ext cx="0" cy="0"/>
+          <a:chOff x="0" y="0"/>
+          <a:chExt cx="0" cy="0"/>
+        </a:xfrm>
+      </p:grpSpPr>
+      <p:sp>
+        <p:nvSpPr>
+          <p:cNvPr id="2" name="Title 1">
+            <a:extLst>
+              <a:ext uri="{FF2B5EF4-FFF2-40B4-BE49-F238E27FC236}">
+                <a16:creationId xmlns:a16="http://schemas.microsoft.com/office/drawing/2014/main" id="{78BC80CB-8118-4039-B59B-A1CF42EFE16F}"/>
+              </a:ext>
+            </a:extLst>
+          </p:cNvPr>
+          <p:cNvSpPr>
+            <a:spLocks noGrp="1"/>
+          </p:cNvSpPr>
+          <p:nvPr>
+            <p:ph type="title"/>
+          </p:nvPr>
+        </p:nvSpPr>
+        <p:spPr>
+          <a:xfrm>
+            <a:off x="4727665" y="2750820"/>
+            <a:ext cx="2736669" cy="1356360"/>
+          </a:xfrm>
+        </p:spPr>
+        <p:txBody>
+          <a:bodyPr/>
+          <a:lstStyle/>
+          <a:p>
+            <a:r>
+              <a:rPr lang="en-IN" dirty="0"/>
+              <a:t>Thank You</a:t>
+            </a:r>
+          </a:p>
+        </p:txBody>
+      </p:sp>
+    </p:spTree>
+    <p:extLst>
+      <p:ext uri="{BB962C8B-B14F-4D97-AF65-F5344CB8AC3E}">
+        <p14:creationId xmlns:p14="http://schemas.microsoft.com/office/powerpoint/2010/main" val="1146751450"/>
       </p:ext>
     </p:extLst>
   </p:cSld>
